--- a/Dokumentation/formelles/plakat.pptx
+++ b/Dokumentation/formelles/plakat.pptx
@@ -104,6 +104,11 @@
       </a:defRPr>
     </a:lvl9pPr>
   </p:defaultTextStyle>
+  <p:extLst>
+    <p:ext uri="{EFAFB233-063F-42B5-8137-9DF3F51BA10A}">
+      <p15:sldGuideLst xmlns:p15="http://schemas.microsoft.com/office/powerpoint/2012/main"/>
+    </p:ext>
+  </p:extLst>
 </p:presentation>
 </file>
 
@@ -238,7 +243,7 @@
           <a:p>
             <a:fld id="{4BC939B7-67BA-7B49-8FCA-7439649C0BFE}" type="datetimeFigureOut">
               <a:rPr lang="de-DE" smtClean="0"/>
-              <a:t>17.10.17</a:t>
+              <a:t>18.10.17</a:t>
             </a:fld>
             <a:endParaRPr lang="de-DE"/>
           </a:p>
@@ -403,7 +408,7 @@
           <a:p>
             <a:fld id="{4BC939B7-67BA-7B49-8FCA-7439649C0BFE}" type="datetimeFigureOut">
               <a:rPr lang="de-DE" smtClean="0"/>
-              <a:t>17.10.17</a:t>
+              <a:t>18.10.17</a:t>
             </a:fld>
             <a:endParaRPr lang="de-DE"/>
           </a:p>
@@ -578,7 +583,7 @@
           <a:p>
             <a:fld id="{4BC939B7-67BA-7B49-8FCA-7439649C0BFE}" type="datetimeFigureOut">
               <a:rPr lang="de-DE" smtClean="0"/>
-              <a:t>17.10.17</a:t>
+              <a:t>18.10.17</a:t>
             </a:fld>
             <a:endParaRPr lang="de-DE"/>
           </a:p>
@@ -743,7 +748,7 @@
           <a:p>
             <a:fld id="{4BC939B7-67BA-7B49-8FCA-7439649C0BFE}" type="datetimeFigureOut">
               <a:rPr lang="de-DE" smtClean="0"/>
-              <a:t>17.10.17</a:t>
+              <a:t>18.10.17</a:t>
             </a:fld>
             <a:endParaRPr lang="de-DE"/>
           </a:p>
@@ -982,7 +987,7 @@
           <a:p>
             <a:fld id="{4BC939B7-67BA-7B49-8FCA-7439649C0BFE}" type="datetimeFigureOut">
               <a:rPr lang="de-DE" smtClean="0"/>
-              <a:t>17.10.17</a:t>
+              <a:t>18.10.17</a:t>
             </a:fld>
             <a:endParaRPr lang="de-DE"/>
           </a:p>
@@ -1209,7 +1214,7 @@
           <a:p>
             <a:fld id="{4BC939B7-67BA-7B49-8FCA-7439649C0BFE}" type="datetimeFigureOut">
               <a:rPr lang="de-DE" smtClean="0"/>
-              <a:t>17.10.17</a:t>
+              <a:t>18.10.17</a:t>
             </a:fld>
             <a:endParaRPr lang="de-DE"/>
           </a:p>
@@ -1571,7 +1576,7 @@
           <a:p>
             <a:fld id="{4BC939B7-67BA-7B49-8FCA-7439649C0BFE}" type="datetimeFigureOut">
               <a:rPr lang="de-DE" smtClean="0"/>
-              <a:t>17.10.17</a:t>
+              <a:t>18.10.17</a:t>
             </a:fld>
             <a:endParaRPr lang="de-DE"/>
           </a:p>
@@ -1684,7 +1689,7 @@
           <a:p>
             <a:fld id="{4BC939B7-67BA-7B49-8FCA-7439649C0BFE}" type="datetimeFigureOut">
               <a:rPr lang="de-DE" smtClean="0"/>
-              <a:t>17.10.17</a:t>
+              <a:t>18.10.17</a:t>
             </a:fld>
             <a:endParaRPr lang="de-DE"/>
           </a:p>
@@ -1774,7 +1779,7 @@
           <a:p>
             <a:fld id="{4BC939B7-67BA-7B49-8FCA-7439649C0BFE}" type="datetimeFigureOut">
               <a:rPr lang="de-DE" smtClean="0"/>
-              <a:t>17.10.17</a:t>
+              <a:t>18.10.17</a:t>
             </a:fld>
             <a:endParaRPr lang="de-DE"/>
           </a:p>
@@ -2046,7 +2051,7 @@
           <a:p>
             <a:fld id="{4BC939B7-67BA-7B49-8FCA-7439649C0BFE}" type="datetimeFigureOut">
               <a:rPr lang="de-DE" smtClean="0"/>
-              <a:t>17.10.17</a:t>
+              <a:t>18.10.17</a:t>
             </a:fld>
             <a:endParaRPr lang="de-DE"/>
           </a:p>
@@ -2298,7 +2303,7 @@
           <a:p>
             <a:fld id="{4BC939B7-67BA-7B49-8FCA-7439649C0BFE}" type="datetimeFigureOut">
               <a:rPr lang="de-DE" smtClean="0"/>
-              <a:t>17.10.17</a:t>
+              <a:t>18.10.17</a:t>
             </a:fld>
             <a:endParaRPr lang="de-DE"/>
           </a:p>
@@ -2506,7 +2511,7 @@
           <a:p>
             <a:fld id="{4BC939B7-67BA-7B49-8FCA-7439649C0BFE}" type="datetimeFigureOut">
               <a:rPr lang="de-DE" smtClean="0"/>
-              <a:t>17.10.17</a:t>
+              <a:t>18.10.17</a:t>
             </a:fld>
             <a:endParaRPr lang="de-DE"/>
           </a:p>
@@ -2911,6 +2916,2342 @@
           <a:chExt cx="0" cy="0"/>
         </a:xfrm>
       </p:grpSpPr>
+      <p:pic>
+        <p:nvPicPr>
+          <p:cNvPr id="4" name="Bild 3"/>
+          <p:cNvPicPr>
+            <a:picLocks noChangeAspect="1"/>
+          </p:cNvPicPr>
+          <p:nvPr/>
+        </p:nvPicPr>
+        <p:blipFill>
+          <a:blip r:embed="rId2">
+            <a:extLst>
+              <a:ext uri="{28A0092B-C50C-407E-A947-70E740481C1C}">
+                <a14:useLocalDpi xmlns:a14="http://schemas.microsoft.com/office/drawing/2010/main" val="0"/>
+              </a:ext>
+            </a:extLst>
+          </a:blip>
+          <a:stretch>
+            <a:fillRect/>
+          </a:stretch>
+        </p:blipFill>
+        <p:spPr>
+          <a:xfrm>
+            <a:off x="540000" y="539999"/>
+            <a:ext cx="14831725" cy="2576157"/>
+          </a:xfrm>
+          <a:prstGeom prst="rect">
+            <a:avLst/>
+          </a:prstGeom>
+        </p:spPr>
+      </p:pic>
+      <p:pic>
+        <p:nvPicPr>
+          <p:cNvPr id="8" name="Bild 7"/>
+          <p:cNvPicPr>
+            <a:picLocks noChangeAspect="1"/>
+          </p:cNvPicPr>
+          <p:nvPr/>
+        </p:nvPicPr>
+        <p:blipFill>
+          <a:blip r:embed="rId3">
+            <a:extLst>
+              <a:ext uri="{28A0092B-C50C-407E-A947-70E740481C1C}">
+                <a14:useLocalDpi xmlns:a14="http://schemas.microsoft.com/office/drawing/2010/main" val="0"/>
+              </a:ext>
+            </a:extLst>
+          </a:blip>
+          <a:stretch>
+            <a:fillRect/>
+          </a:stretch>
+        </p:blipFill>
+        <p:spPr>
+          <a:xfrm>
+            <a:off x="2615374" y="24712509"/>
+            <a:ext cx="15864008" cy="3809014"/>
+          </a:xfrm>
+          <a:prstGeom prst="rect">
+            <a:avLst/>
+          </a:prstGeom>
+        </p:spPr>
+      </p:pic>
+      <p:sp>
+        <p:nvSpPr>
+          <p:cNvPr id="12" name="Oval 11"/>
+          <p:cNvSpPr/>
+          <p:nvPr/>
+        </p:nvSpPr>
+        <p:spPr>
+          <a:xfrm>
+            <a:off x="9803217" y="13088171"/>
+            <a:ext cx="1440000" cy="1440000"/>
+          </a:xfrm>
+          <a:prstGeom prst="ellipse">
+            <a:avLst/>
+          </a:prstGeom>
+          <a:ln w="190500">
+            <a:solidFill>
+              <a:schemeClr val="accent6">
+                <a:lumMod val="75000"/>
+              </a:schemeClr>
+            </a:solidFill>
+          </a:ln>
+        </p:spPr>
+        <p:style>
+          <a:lnRef idx="1">
+            <a:schemeClr val="accent1"/>
+          </a:lnRef>
+          <a:fillRef idx="0">
+            <a:schemeClr val="accent1"/>
+          </a:fillRef>
+          <a:effectRef idx="0">
+            <a:schemeClr val="accent1"/>
+          </a:effectRef>
+          <a:fontRef idx="minor">
+            <a:schemeClr val="tx1"/>
+          </a:fontRef>
+        </p:style>
+        <p:txBody>
+          <a:bodyPr rtlCol="0" anchor="ctr"/>
+          <a:lstStyle/>
+          <a:p>
+            <a:pPr algn="ctr"/>
+            <a:endParaRPr lang="de-DE"/>
+          </a:p>
+        </p:txBody>
+      </p:sp>
+      <p:cxnSp>
+        <p:nvCxnSpPr>
+          <p:cNvPr id="13" name="Gerade Verbindung 12"/>
+          <p:cNvCxnSpPr/>
+          <p:nvPr/>
+        </p:nvCxnSpPr>
+        <p:spPr>
+          <a:xfrm flipH="1">
+            <a:off x="11422912" y="13808171"/>
+            <a:ext cx="1800000" cy="0"/>
+          </a:xfrm>
+          <a:prstGeom prst="line">
+            <a:avLst/>
+          </a:prstGeom>
+          <a:ln w="101600">
+            <a:solidFill>
+              <a:schemeClr val="bg1">
+                <a:lumMod val="75000"/>
+              </a:schemeClr>
+            </a:solidFill>
+            <a:prstDash val="dashDot"/>
+          </a:ln>
+        </p:spPr>
+        <p:style>
+          <a:lnRef idx="1">
+            <a:schemeClr val="accent1"/>
+          </a:lnRef>
+          <a:fillRef idx="0">
+            <a:schemeClr val="accent1"/>
+          </a:fillRef>
+          <a:effectRef idx="0">
+            <a:schemeClr val="accent1"/>
+          </a:effectRef>
+          <a:fontRef idx="minor">
+            <a:schemeClr val="tx1"/>
+          </a:fontRef>
+        </p:style>
+      </p:cxnSp>
+      <p:cxnSp>
+        <p:nvCxnSpPr>
+          <p:cNvPr id="15" name="Gerade Verbindung 14"/>
+          <p:cNvCxnSpPr/>
+          <p:nvPr/>
+        </p:nvCxnSpPr>
+        <p:spPr>
+          <a:xfrm flipH="1">
+            <a:off x="7811376" y="13808171"/>
+            <a:ext cx="1800000" cy="0"/>
+          </a:xfrm>
+          <a:prstGeom prst="line">
+            <a:avLst/>
+          </a:prstGeom>
+          <a:ln w="101600">
+            <a:solidFill>
+              <a:schemeClr val="bg1">
+                <a:lumMod val="75000"/>
+              </a:schemeClr>
+            </a:solidFill>
+            <a:prstDash val="dashDot"/>
+          </a:ln>
+        </p:spPr>
+        <p:style>
+          <a:lnRef idx="1">
+            <a:schemeClr val="accent1"/>
+          </a:lnRef>
+          <a:fillRef idx="0">
+            <a:schemeClr val="accent1"/>
+          </a:fillRef>
+          <a:effectRef idx="0">
+            <a:schemeClr val="accent1"/>
+          </a:effectRef>
+          <a:fontRef idx="minor">
+            <a:schemeClr val="tx1"/>
+          </a:fontRef>
+        </p:style>
+      </p:cxnSp>
+      <p:sp>
+        <p:nvSpPr>
+          <p:cNvPr id="16" name="Oval 15"/>
+          <p:cNvSpPr/>
+          <p:nvPr/>
+        </p:nvSpPr>
+        <p:spPr>
+          <a:xfrm>
+            <a:off x="6932943" y="13469436"/>
+            <a:ext cx="720000" cy="720000"/>
+          </a:xfrm>
+          <a:prstGeom prst="ellipse">
+            <a:avLst/>
+          </a:prstGeom>
+          <a:ln w="152400">
+            <a:solidFill>
+              <a:schemeClr val="accent1">
+                <a:lumMod val="75000"/>
+              </a:schemeClr>
+            </a:solidFill>
+          </a:ln>
+        </p:spPr>
+        <p:style>
+          <a:lnRef idx="1">
+            <a:schemeClr val="accent1"/>
+          </a:lnRef>
+          <a:fillRef idx="0">
+            <a:schemeClr val="accent1"/>
+          </a:fillRef>
+          <a:effectRef idx="0">
+            <a:schemeClr val="accent1"/>
+          </a:effectRef>
+          <a:fontRef idx="minor">
+            <a:schemeClr val="tx1"/>
+          </a:fontRef>
+        </p:style>
+        <p:txBody>
+          <a:bodyPr rtlCol="0" anchor="ctr"/>
+          <a:lstStyle/>
+          <a:p>
+            <a:pPr algn="ctr"/>
+            <a:endParaRPr lang="de-DE"/>
+          </a:p>
+        </p:txBody>
+      </p:sp>
+      <p:sp>
+        <p:nvSpPr>
+          <p:cNvPr id="17" name="Oval 16"/>
+          <p:cNvSpPr/>
+          <p:nvPr/>
+        </p:nvSpPr>
+        <p:spPr>
+          <a:xfrm>
+            <a:off x="13377526" y="13469436"/>
+            <a:ext cx="720000" cy="720000"/>
+          </a:xfrm>
+          <a:prstGeom prst="ellipse">
+            <a:avLst/>
+          </a:prstGeom>
+          <a:ln w="152400">
+            <a:solidFill>
+              <a:schemeClr val="accent1">
+                <a:lumMod val="75000"/>
+              </a:schemeClr>
+            </a:solidFill>
+          </a:ln>
+        </p:spPr>
+        <p:style>
+          <a:lnRef idx="1">
+            <a:schemeClr val="accent1"/>
+          </a:lnRef>
+          <a:fillRef idx="0">
+            <a:schemeClr val="accent1"/>
+          </a:fillRef>
+          <a:effectRef idx="0">
+            <a:schemeClr val="accent1"/>
+          </a:effectRef>
+          <a:fontRef idx="minor">
+            <a:schemeClr val="tx1"/>
+          </a:fontRef>
+        </p:style>
+        <p:txBody>
+          <a:bodyPr rtlCol="0" anchor="ctr"/>
+          <a:lstStyle/>
+          <a:p>
+            <a:pPr algn="ctr"/>
+            <a:endParaRPr lang="de-DE"/>
+          </a:p>
+        </p:txBody>
+      </p:sp>
+      <p:cxnSp>
+        <p:nvCxnSpPr>
+          <p:cNvPr id="18" name="Gerade Verbindung 17"/>
+          <p:cNvCxnSpPr/>
+          <p:nvPr/>
+        </p:nvCxnSpPr>
+        <p:spPr>
+          <a:xfrm flipV="1">
+            <a:off x="7292943" y="10444927"/>
+            <a:ext cx="0" cy="2880000"/>
+          </a:xfrm>
+          <a:prstGeom prst="line">
+            <a:avLst/>
+          </a:prstGeom>
+          <a:ln w="101600">
+            <a:solidFill>
+              <a:schemeClr val="bg1">
+                <a:lumMod val="75000"/>
+              </a:schemeClr>
+            </a:solidFill>
+            <a:prstDash val="lgDashDotDot"/>
+          </a:ln>
+        </p:spPr>
+        <p:style>
+          <a:lnRef idx="1">
+            <a:schemeClr val="accent1"/>
+          </a:lnRef>
+          <a:fillRef idx="0">
+            <a:schemeClr val="accent1"/>
+          </a:fillRef>
+          <a:effectRef idx="0">
+            <a:schemeClr val="accent1"/>
+          </a:effectRef>
+          <a:fontRef idx="minor">
+            <a:schemeClr val="tx1"/>
+          </a:fontRef>
+        </p:style>
+      </p:cxnSp>
+      <p:cxnSp>
+        <p:nvCxnSpPr>
+          <p:cNvPr id="19" name="Gerade Verbindung 18"/>
+          <p:cNvCxnSpPr/>
+          <p:nvPr/>
+        </p:nvCxnSpPr>
+        <p:spPr>
+          <a:xfrm flipV="1">
+            <a:off x="7292943" y="14361256"/>
+            <a:ext cx="0" cy="2880000"/>
+          </a:xfrm>
+          <a:prstGeom prst="line">
+            <a:avLst/>
+          </a:prstGeom>
+          <a:ln w="101600">
+            <a:solidFill>
+              <a:schemeClr val="bg1">
+                <a:lumMod val="75000"/>
+              </a:schemeClr>
+            </a:solidFill>
+            <a:prstDash val="lgDashDotDot"/>
+          </a:ln>
+        </p:spPr>
+        <p:style>
+          <a:lnRef idx="1">
+            <a:schemeClr val="accent1"/>
+          </a:lnRef>
+          <a:fillRef idx="0">
+            <a:schemeClr val="accent1"/>
+          </a:fillRef>
+          <a:effectRef idx="0">
+            <a:schemeClr val="accent1"/>
+          </a:effectRef>
+          <a:fontRef idx="minor">
+            <a:schemeClr val="tx1"/>
+          </a:fontRef>
+        </p:style>
+      </p:cxnSp>
+      <p:cxnSp>
+        <p:nvCxnSpPr>
+          <p:cNvPr id="20" name="Gerade Verbindung 19"/>
+          <p:cNvCxnSpPr/>
+          <p:nvPr/>
+        </p:nvCxnSpPr>
+        <p:spPr>
+          <a:xfrm flipV="1">
+            <a:off x="13739827" y="10405943"/>
+            <a:ext cx="0" cy="2880000"/>
+          </a:xfrm>
+          <a:prstGeom prst="line">
+            <a:avLst/>
+          </a:prstGeom>
+          <a:ln w="101600">
+            <a:solidFill>
+              <a:schemeClr val="bg1">
+                <a:lumMod val="75000"/>
+              </a:schemeClr>
+            </a:solidFill>
+            <a:prstDash val="lgDashDotDot"/>
+          </a:ln>
+        </p:spPr>
+        <p:style>
+          <a:lnRef idx="1">
+            <a:schemeClr val="accent1"/>
+          </a:lnRef>
+          <a:fillRef idx="0">
+            <a:schemeClr val="accent1"/>
+          </a:fillRef>
+          <a:effectRef idx="0">
+            <a:schemeClr val="accent1"/>
+          </a:effectRef>
+          <a:fontRef idx="minor">
+            <a:schemeClr val="tx1"/>
+          </a:fontRef>
+        </p:style>
+      </p:cxnSp>
+      <p:cxnSp>
+        <p:nvCxnSpPr>
+          <p:cNvPr id="21" name="Gerade Verbindung 20"/>
+          <p:cNvCxnSpPr/>
+          <p:nvPr/>
+        </p:nvCxnSpPr>
+        <p:spPr>
+          <a:xfrm flipV="1">
+            <a:off x="13739827" y="14364801"/>
+            <a:ext cx="0" cy="2880000"/>
+          </a:xfrm>
+          <a:prstGeom prst="line">
+            <a:avLst/>
+          </a:prstGeom>
+          <a:ln w="101600">
+            <a:solidFill>
+              <a:schemeClr val="bg1">
+                <a:lumMod val="75000"/>
+              </a:schemeClr>
+            </a:solidFill>
+            <a:prstDash val="lgDashDotDot"/>
+          </a:ln>
+        </p:spPr>
+        <p:style>
+          <a:lnRef idx="1">
+            <a:schemeClr val="accent1"/>
+          </a:lnRef>
+          <a:fillRef idx="0">
+            <a:schemeClr val="accent1"/>
+          </a:fillRef>
+          <a:effectRef idx="0">
+            <a:schemeClr val="accent1"/>
+          </a:effectRef>
+          <a:fontRef idx="minor">
+            <a:schemeClr val="tx1"/>
+          </a:fontRef>
+        </p:style>
+      </p:cxnSp>
+      <p:sp>
+        <p:nvSpPr>
+          <p:cNvPr id="22" name="Oval 21"/>
+          <p:cNvSpPr/>
+          <p:nvPr/>
+        </p:nvSpPr>
+        <p:spPr>
+          <a:xfrm>
+            <a:off x="13483851" y="9741477"/>
+            <a:ext cx="540000" cy="540000"/>
+          </a:xfrm>
+          <a:prstGeom prst="ellipse">
+            <a:avLst/>
+          </a:prstGeom>
+          <a:ln w="63500">
+            <a:solidFill>
+              <a:schemeClr val="accent4">
+                <a:lumMod val="75000"/>
+              </a:schemeClr>
+            </a:solidFill>
+          </a:ln>
+        </p:spPr>
+        <p:style>
+          <a:lnRef idx="1">
+            <a:schemeClr val="accent1"/>
+          </a:lnRef>
+          <a:fillRef idx="0">
+            <a:schemeClr val="accent1"/>
+          </a:fillRef>
+          <a:effectRef idx="0">
+            <a:schemeClr val="accent1"/>
+          </a:effectRef>
+          <a:fontRef idx="minor">
+            <a:schemeClr val="tx1"/>
+          </a:fontRef>
+        </p:style>
+        <p:txBody>
+          <a:bodyPr rtlCol="0" anchor="ctr"/>
+          <a:lstStyle/>
+          <a:p>
+            <a:pPr algn="ctr"/>
+            <a:endParaRPr lang="de-DE"/>
+          </a:p>
+        </p:txBody>
+      </p:sp>
+      <p:sp>
+        <p:nvSpPr>
+          <p:cNvPr id="23" name="Oval 22"/>
+          <p:cNvSpPr/>
+          <p:nvPr/>
+        </p:nvSpPr>
+        <p:spPr>
+          <a:xfrm>
+            <a:off x="13487396" y="17400467"/>
+            <a:ext cx="540000" cy="540000"/>
+          </a:xfrm>
+          <a:prstGeom prst="ellipse">
+            <a:avLst/>
+          </a:prstGeom>
+          <a:ln w="63500">
+            <a:solidFill>
+              <a:schemeClr val="accent4">
+                <a:lumMod val="75000"/>
+              </a:schemeClr>
+            </a:solidFill>
+          </a:ln>
+        </p:spPr>
+        <p:style>
+          <a:lnRef idx="1">
+            <a:schemeClr val="accent1"/>
+          </a:lnRef>
+          <a:fillRef idx="0">
+            <a:schemeClr val="accent1"/>
+          </a:fillRef>
+          <a:effectRef idx="0">
+            <a:schemeClr val="accent1"/>
+          </a:effectRef>
+          <a:fontRef idx="minor">
+            <a:schemeClr val="tx1"/>
+          </a:fontRef>
+        </p:style>
+        <p:txBody>
+          <a:bodyPr rtlCol="0" anchor="ctr"/>
+          <a:lstStyle/>
+          <a:p>
+            <a:pPr algn="ctr"/>
+            <a:endParaRPr lang="de-DE"/>
+          </a:p>
+        </p:txBody>
+      </p:sp>
+      <p:sp>
+        <p:nvSpPr>
+          <p:cNvPr id="24" name="Oval 23"/>
+          <p:cNvSpPr/>
+          <p:nvPr/>
+        </p:nvSpPr>
+        <p:spPr>
+          <a:xfrm>
+            <a:off x="7044057" y="9787552"/>
+            <a:ext cx="540000" cy="540000"/>
+          </a:xfrm>
+          <a:prstGeom prst="ellipse">
+            <a:avLst/>
+          </a:prstGeom>
+          <a:ln w="63500">
+            <a:solidFill>
+              <a:schemeClr val="accent4">
+                <a:lumMod val="75000"/>
+              </a:schemeClr>
+            </a:solidFill>
+          </a:ln>
+        </p:spPr>
+        <p:style>
+          <a:lnRef idx="1">
+            <a:schemeClr val="accent1"/>
+          </a:lnRef>
+          <a:fillRef idx="0">
+            <a:schemeClr val="accent1"/>
+          </a:fillRef>
+          <a:effectRef idx="0">
+            <a:schemeClr val="accent1"/>
+          </a:effectRef>
+          <a:fontRef idx="minor">
+            <a:schemeClr val="tx1"/>
+          </a:fontRef>
+        </p:style>
+        <p:txBody>
+          <a:bodyPr rtlCol="0" anchor="ctr"/>
+          <a:lstStyle/>
+          <a:p>
+            <a:pPr algn="ctr"/>
+            <a:endParaRPr lang="de-DE"/>
+          </a:p>
+        </p:txBody>
+      </p:sp>
+      <p:sp>
+        <p:nvSpPr>
+          <p:cNvPr id="25" name="Oval 24"/>
+          <p:cNvSpPr/>
+          <p:nvPr/>
+        </p:nvSpPr>
+        <p:spPr>
+          <a:xfrm>
+            <a:off x="7047602" y="17382746"/>
+            <a:ext cx="540000" cy="540000"/>
+          </a:xfrm>
+          <a:prstGeom prst="ellipse">
+            <a:avLst/>
+          </a:prstGeom>
+          <a:ln w="63500">
+            <a:solidFill>
+              <a:schemeClr val="accent4">
+                <a:lumMod val="75000"/>
+              </a:schemeClr>
+            </a:solidFill>
+          </a:ln>
+        </p:spPr>
+        <p:style>
+          <a:lnRef idx="1">
+            <a:schemeClr val="accent1"/>
+          </a:lnRef>
+          <a:fillRef idx="0">
+            <a:schemeClr val="accent1"/>
+          </a:fillRef>
+          <a:effectRef idx="0">
+            <a:schemeClr val="accent1"/>
+          </a:effectRef>
+          <a:fontRef idx="minor">
+            <a:schemeClr val="tx1"/>
+          </a:fontRef>
+        </p:style>
+        <p:txBody>
+          <a:bodyPr rtlCol="0" anchor="ctr"/>
+          <a:lstStyle/>
+          <a:p>
+            <a:pPr algn="ctr"/>
+            <a:endParaRPr lang="de-DE"/>
+          </a:p>
+        </p:txBody>
+      </p:sp>
+      <p:cxnSp>
+        <p:nvCxnSpPr>
+          <p:cNvPr id="26" name="Gerade Verbindung 25"/>
+          <p:cNvCxnSpPr/>
+          <p:nvPr/>
+        </p:nvCxnSpPr>
+        <p:spPr>
+          <a:xfrm flipV="1">
+            <a:off x="10540691" y="14699618"/>
+            <a:ext cx="0" cy="5400000"/>
+          </a:xfrm>
+          <a:prstGeom prst="line">
+            <a:avLst/>
+          </a:prstGeom>
+          <a:ln w="101600">
+            <a:solidFill>
+              <a:schemeClr val="bg1">
+                <a:lumMod val="75000"/>
+              </a:schemeClr>
+            </a:solidFill>
+            <a:prstDash val="dashDot"/>
+          </a:ln>
+        </p:spPr>
+        <p:style>
+          <a:lnRef idx="1">
+            <a:schemeClr val="accent1"/>
+          </a:lnRef>
+          <a:fillRef idx="0">
+            <a:schemeClr val="accent1"/>
+          </a:fillRef>
+          <a:effectRef idx="0">
+            <a:schemeClr val="accent1"/>
+          </a:effectRef>
+          <a:fontRef idx="minor">
+            <a:schemeClr val="tx1"/>
+          </a:fontRef>
+        </p:style>
+      </p:cxnSp>
+      <p:sp>
+        <p:nvSpPr>
+          <p:cNvPr id="27" name="Oval 26"/>
+          <p:cNvSpPr/>
+          <p:nvPr/>
+        </p:nvSpPr>
+        <p:spPr>
+          <a:xfrm>
+            <a:off x="10251684" y="20244566"/>
+            <a:ext cx="540000" cy="540000"/>
+          </a:xfrm>
+          <a:prstGeom prst="ellipse">
+            <a:avLst/>
+          </a:prstGeom>
+          <a:ln w="152400">
+            <a:solidFill>
+              <a:schemeClr val="accent1">
+                <a:lumMod val="75000"/>
+              </a:schemeClr>
+            </a:solidFill>
+          </a:ln>
+        </p:spPr>
+        <p:style>
+          <a:lnRef idx="1">
+            <a:schemeClr val="accent1"/>
+          </a:lnRef>
+          <a:fillRef idx="0">
+            <a:schemeClr val="accent1"/>
+          </a:fillRef>
+          <a:effectRef idx="0">
+            <a:schemeClr val="accent1"/>
+          </a:effectRef>
+          <a:fontRef idx="minor">
+            <a:schemeClr val="tx1"/>
+          </a:fontRef>
+        </p:style>
+        <p:txBody>
+          <a:bodyPr rtlCol="0" anchor="ctr"/>
+          <a:lstStyle/>
+          <a:p>
+            <a:pPr algn="ctr"/>
+            <a:endParaRPr lang="de-DE"/>
+          </a:p>
+        </p:txBody>
+      </p:sp>
+      <p:cxnSp>
+        <p:nvCxnSpPr>
+          <p:cNvPr id="28" name="Gerade Verbindung 27"/>
+          <p:cNvCxnSpPr/>
+          <p:nvPr/>
+        </p:nvCxnSpPr>
+        <p:spPr>
+          <a:xfrm flipV="1">
+            <a:off x="10540691" y="7500697"/>
+            <a:ext cx="0" cy="5400000"/>
+          </a:xfrm>
+          <a:prstGeom prst="line">
+            <a:avLst/>
+          </a:prstGeom>
+          <a:ln w="101600">
+            <a:solidFill>
+              <a:schemeClr val="bg1">
+                <a:lumMod val="75000"/>
+              </a:schemeClr>
+            </a:solidFill>
+            <a:prstDash val="dashDot"/>
+          </a:ln>
+        </p:spPr>
+        <p:style>
+          <a:lnRef idx="1">
+            <a:schemeClr val="accent1"/>
+          </a:lnRef>
+          <a:fillRef idx="0">
+            <a:schemeClr val="accent1"/>
+          </a:fillRef>
+          <a:effectRef idx="0">
+            <a:schemeClr val="accent1"/>
+          </a:effectRef>
+          <a:fontRef idx="minor">
+            <a:schemeClr val="tx1"/>
+          </a:fontRef>
+        </p:style>
+      </p:cxnSp>
+      <p:sp>
+        <p:nvSpPr>
+          <p:cNvPr id="29" name="Oval 28"/>
+          <p:cNvSpPr/>
+          <p:nvPr/>
+        </p:nvSpPr>
+        <p:spPr>
+          <a:xfrm>
+            <a:off x="10284715" y="6814963"/>
+            <a:ext cx="540000" cy="540000"/>
+          </a:xfrm>
+          <a:prstGeom prst="ellipse">
+            <a:avLst/>
+          </a:prstGeom>
+          <a:ln w="152400">
+            <a:solidFill>
+              <a:schemeClr val="accent1">
+                <a:lumMod val="75000"/>
+              </a:schemeClr>
+            </a:solidFill>
+          </a:ln>
+        </p:spPr>
+        <p:style>
+          <a:lnRef idx="1">
+            <a:schemeClr val="accent1"/>
+          </a:lnRef>
+          <a:fillRef idx="0">
+            <a:schemeClr val="accent1"/>
+          </a:fillRef>
+          <a:effectRef idx="0">
+            <a:schemeClr val="accent1"/>
+          </a:effectRef>
+          <a:fontRef idx="minor">
+            <a:schemeClr val="tx1"/>
+          </a:fontRef>
+        </p:style>
+        <p:txBody>
+          <a:bodyPr rtlCol="0" anchor="ctr"/>
+          <a:lstStyle/>
+          <a:p>
+            <a:pPr algn="ctr"/>
+            <a:endParaRPr lang="de-DE"/>
+          </a:p>
+        </p:txBody>
+      </p:sp>
+      <p:cxnSp>
+        <p:nvCxnSpPr>
+          <p:cNvPr id="30" name="Gerade Verbindung 29"/>
+          <p:cNvCxnSpPr/>
+          <p:nvPr/>
+        </p:nvCxnSpPr>
+        <p:spPr>
+          <a:xfrm flipH="1">
+            <a:off x="5055416" y="17639437"/>
+            <a:ext cx="1800000" cy="0"/>
+          </a:xfrm>
+          <a:prstGeom prst="line">
+            <a:avLst/>
+          </a:prstGeom>
+          <a:ln w="101600">
+            <a:solidFill>
+              <a:schemeClr val="bg1">
+                <a:lumMod val="75000"/>
+              </a:schemeClr>
+            </a:solidFill>
+            <a:prstDash val="sysDash"/>
+          </a:ln>
+        </p:spPr>
+        <p:style>
+          <a:lnRef idx="1">
+            <a:schemeClr val="accent1"/>
+          </a:lnRef>
+          <a:fillRef idx="0">
+            <a:schemeClr val="accent1"/>
+          </a:fillRef>
+          <a:effectRef idx="0">
+            <a:schemeClr val="accent1"/>
+          </a:effectRef>
+          <a:fontRef idx="minor">
+            <a:schemeClr val="tx1"/>
+          </a:fontRef>
+        </p:style>
+      </p:cxnSp>
+      <p:cxnSp>
+        <p:nvCxnSpPr>
+          <p:cNvPr id="31" name="Gerade Verbindung 30"/>
+          <p:cNvCxnSpPr/>
+          <p:nvPr/>
+        </p:nvCxnSpPr>
+        <p:spPr>
+          <a:xfrm flipH="1">
+            <a:off x="5058961" y="10030080"/>
+            <a:ext cx="1800000" cy="0"/>
+          </a:xfrm>
+          <a:prstGeom prst="line">
+            <a:avLst/>
+          </a:prstGeom>
+          <a:ln w="101600">
+            <a:solidFill>
+              <a:schemeClr val="bg1">
+                <a:lumMod val="75000"/>
+              </a:schemeClr>
+            </a:solidFill>
+            <a:prstDash val="sysDash"/>
+          </a:ln>
+        </p:spPr>
+        <p:style>
+          <a:lnRef idx="1">
+            <a:schemeClr val="accent1"/>
+          </a:lnRef>
+          <a:fillRef idx="0">
+            <a:schemeClr val="accent1"/>
+          </a:fillRef>
+          <a:effectRef idx="0">
+            <a:schemeClr val="accent1"/>
+          </a:effectRef>
+          <a:fontRef idx="minor">
+            <a:schemeClr val="tx1"/>
+          </a:fontRef>
+        </p:style>
+      </p:cxnSp>
+      <p:cxnSp>
+        <p:nvCxnSpPr>
+          <p:cNvPr id="32" name="Gerade Verbindung 31"/>
+          <p:cNvCxnSpPr/>
+          <p:nvPr/>
+        </p:nvCxnSpPr>
+        <p:spPr>
+          <a:xfrm flipH="1">
+            <a:off x="14202966" y="17642982"/>
+            <a:ext cx="1800000" cy="0"/>
+          </a:xfrm>
+          <a:prstGeom prst="line">
+            <a:avLst/>
+          </a:prstGeom>
+          <a:ln w="101600">
+            <a:solidFill>
+              <a:schemeClr val="bg1">
+                <a:lumMod val="75000"/>
+              </a:schemeClr>
+            </a:solidFill>
+            <a:prstDash val="sysDash"/>
+          </a:ln>
+        </p:spPr>
+        <p:style>
+          <a:lnRef idx="1">
+            <a:schemeClr val="accent1"/>
+          </a:lnRef>
+          <a:fillRef idx="0">
+            <a:schemeClr val="accent1"/>
+          </a:fillRef>
+          <a:effectRef idx="0">
+            <a:schemeClr val="accent1"/>
+          </a:effectRef>
+          <a:fontRef idx="minor">
+            <a:schemeClr val="tx1"/>
+          </a:fontRef>
+        </p:style>
+      </p:cxnSp>
+      <p:cxnSp>
+        <p:nvCxnSpPr>
+          <p:cNvPr id="33" name="Gerade Verbindung 32"/>
+          <p:cNvCxnSpPr/>
+          <p:nvPr/>
+        </p:nvCxnSpPr>
+        <p:spPr>
+          <a:xfrm flipH="1">
+            <a:off x="14206511" y="10033625"/>
+            <a:ext cx="1800000" cy="0"/>
+          </a:xfrm>
+          <a:prstGeom prst="line">
+            <a:avLst/>
+          </a:prstGeom>
+          <a:ln w="101600">
+            <a:solidFill>
+              <a:schemeClr val="bg1">
+                <a:lumMod val="75000"/>
+              </a:schemeClr>
+            </a:solidFill>
+            <a:prstDash val="sysDash"/>
+          </a:ln>
+        </p:spPr>
+        <p:style>
+          <a:lnRef idx="1">
+            <a:schemeClr val="accent1"/>
+          </a:lnRef>
+          <a:fillRef idx="0">
+            <a:schemeClr val="accent1"/>
+          </a:fillRef>
+          <a:effectRef idx="0">
+            <a:schemeClr val="accent1"/>
+          </a:effectRef>
+          <a:fontRef idx="minor">
+            <a:schemeClr val="tx1"/>
+          </a:fontRef>
+        </p:style>
+      </p:cxnSp>
+      <p:cxnSp>
+        <p:nvCxnSpPr>
+          <p:cNvPr id="35" name="Gerade Verbindung 34"/>
+          <p:cNvCxnSpPr/>
+          <p:nvPr/>
+        </p:nvCxnSpPr>
+        <p:spPr>
+          <a:xfrm flipH="1">
+            <a:off x="8308090" y="7077768"/>
+            <a:ext cx="1800000" cy="0"/>
+          </a:xfrm>
+          <a:prstGeom prst="line">
+            <a:avLst/>
+          </a:prstGeom>
+          <a:ln w="101600">
+            <a:solidFill>
+              <a:schemeClr val="bg1">
+                <a:lumMod val="75000"/>
+              </a:schemeClr>
+            </a:solidFill>
+            <a:prstDash val="sysDot"/>
+          </a:ln>
+        </p:spPr>
+        <p:style>
+          <a:lnRef idx="1">
+            <a:schemeClr val="accent1"/>
+          </a:lnRef>
+          <a:fillRef idx="0">
+            <a:schemeClr val="accent1"/>
+          </a:fillRef>
+          <a:effectRef idx="0">
+            <a:schemeClr val="accent1"/>
+          </a:effectRef>
+          <a:fontRef idx="minor">
+            <a:schemeClr val="tx1"/>
+          </a:fontRef>
+        </p:style>
+      </p:cxnSp>
+      <p:cxnSp>
+        <p:nvCxnSpPr>
+          <p:cNvPr id="36" name="Gerade Verbindung 35"/>
+          <p:cNvCxnSpPr/>
+          <p:nvPr/>
+        </p:nvCxnSpPr>
+        <p:spPr>
+          <a:xfrm flipH="1">
+            <a:off x="10991039" y="7077768"/>
+            <a:ext cx="1800000" cy="0"/>
+          </a:xfrm>
+          <a:prstGeom prst="line">
+            <a:avLst/>
+          </a:prstGeom>
+          <a:ln w="101600">
+            <a:solidFill>
+              <a:schemeClr val="bg1">
+                <a:lumMod val="75000"/>
+              </a:schemeClr>
+            </a:solidFill>
+            <a:prstDash val="sysDot"/>
+          </a:ln>
+        </p:spPr>
+        <p:style>
+          <a:lnRef idx="1">
+            <a:schemeClr val="accent1"/>
+          </a:lnRef>
+          <a:fillRef idx="0">
+            <a:schemeClr val="accent1"/>
+          </a:fillRef>
+          <a:effectRef idx="0">
+            <a:schemeClr val="accent1"/>
+          </a:effectRef>
+          <a:fontRef idx="minor">
+            <a:schemeClr val="tx1"/>
+          </a:fontRef>
+        </p:style>
+      </p:cxnSp>
+      <p:cxnSp>
+        <p:nvCxnSpPr>
+          <p:cNvPr id="37" name="Gerade Verbindung 36"/>
+          <p:cNvCxnSpPr/>
+          <p:nvPr/>
+        </p:nvCxnSpPr>
+        <p:spPr>
+          <a:xfrm flipH="1">
+            <a:off x="8311635" y="20520854"/>
+            <a:ext cx="1800000" cy="0"/>
+          </a:xfrm>
+          <a:prstGeom prst="line">
+            <a:avLst/>
+          </a:prstGeom>
+          <a:ln w="101600">
+            <a:solidFill>
+              <a:schemeClr val="bg1">
+                <a:lumMod val="75000"/>
+              </a:schemeClr>
+            </a:solidFill>
+            <a:prstDash val="sysDot"/>
+          </a:ln>
+        </p:spPr>
+        <p:style>
+          <a:lnRef idx="1">
+            <a:schemeClr val="accent1"/>
+          </a:lnRef>
+          <a:fillRef idx="0">
+            <a:schemeClr val="accent1"/>
+          </a:fillRef>
+          <a:effectRef idx="0">
+            <a:schemeClr val="accent1"/>
+          </a:effectRef>
+          <a:fontRef idx="minor">
+            <a:schemeClr val="tx1"/>
+          </a:fontRef>
+        </p:style>
+      </p:cxnSp>
+      <p:cxnSp>
+        <p:nvCxnSpPr>
+          <p:cNvPr id="38" name="Gerade Verbindung 37"/>
+          <p:cNvCxnSpPr/>
+          <p:nvPr/>
+        </p:nvCxnSpPr>
+        <p:spPr>
+          <a:xfrm flipH="1">
+            <a:off x="10994584" y="20520854"/>
+            <a:ext cx="1800000" cy="0"/>
+          </a:xfrm>
+          <a:prstGeom prst="line">
+            <a:avLst/>
+          </a:prstGeom>
+          <a:ln w="101600">
+            <a:solidFill>
+              <a:schemeClr val="bg1">
+                <a:lumMod val="75000"/>
+              </a:schemeClr>
+            </a:solidFill>
+            <a:prstDash val="sysDot"/>
+          </a:ln>
+        </p:spPr>
+        <p:style>
+          <a:lnRef idx="1">
+            <a:schemeClr val="accent1"/>
+          </a:lnRef>
+          <a:fillRef idx="0">
+            <a:schemeClr val="accent1"/>
+          </a:fillRef>
+          <a:effectRef idx="0">
+            <a:schemeClr val="accent1"/>
+          </a:effectRef>
+          <a:fontRef idx="minor">
+            <a:schemeClr val="tx1"/>
+          </a:fontRef>
+        </p:style>
+      </p:cxnSp>
+      <p:sp>
+        <p:nvSpPr>
+          <p:cNvPr id="39" name="Textfeld 38"/>
+          <p:cNvSpPr txBox="1"/>
+          <p:nvPr/>
+        </p:nvSpPr>
+        <p:spPr>
+          <a:xfrm>
+            <a:off x="14252140" y="13101833"/>
+            <a:ext cx="5231047" cy="1938992"/>
+          </a:xfrm>
+          <a:prstGeom prst="rect">
+            <a:avLst/>
+          </a:prstGeom>
+          <a:noFill/>
+        </p:spPr>
+        <p:txBody>
+          <a:bodyPr wrap="none" rtlCol="0">
+            <a:spAutoFit/>
+          </a:bodyPr>
+          <a:lstStyle/>
+          <a:p>
+            <a:r>
+              <a:rPr lang="de-DE" sz="6000" dirty="0" smtClean="0">
+                <a:ea typeface="Consolas" charset="0"/>
+                <a:cs typeface="Consolas" charset="0"/>
+              </a:rPr>
+              <a:t>Steuerung</a:t>
+            </a:r>
+            <a:br>
+              <a:rPr lang="de-DE" sz="6000" dirty="0" smtClean="0">
+                <a:ea typeface="Consolas" charset="0"/>
+                <a:cs typeface="Consolas" charset="0"/>
+              </a:rPr>
+            </a:br>
+            <a:r>
+              <a:rPr lang="de-DE" sz="3000" dirty="0">
+                <a:ea typeface="Consolas" charset="0"/>
+                <a:cs typeface="Consolas" charset="0"/>
+              </a:rPr>
+              <a:t>a</a:t>
+            </a:r>
+            <a:r>
+              <a:rPr lang="de-DE" sz="3000" dirty="0" smtClean="0">
+                <a:ea typeface="Consolas" charset="0"/>
+                <a:cs typeface="Consolas" charset="0"/>
+              </a:rPr>
+              <a:t>nforderungsbasierte Steuerung</a:t>
+            </a:r>
+            <a:br>
+              <a:rPr lang="de-DE" sz="3000" dirty="0" smtClean="0">
+                <a:ea typeface="Consolas" charset="0"/>
+                <a:cs typeface="Consolas" charset="0"/>
+              </a:rPr>
+            </a:br>
+            <a:r>
+              <a:rPr lang="de-DE" sz="3000" dirty="0" smtClean="0">
+                <a:ea typeface="Consolas" charset="0"/>
+                <a:cs typeface="Consolas" charset="0"/>
+              </a:rPr>
+              <a:t>direkt und intuitiv</a:t>
+            </a:r>
+            <a:endParaRPr lang="de-DE" sz="6000" dirty="0">
+              <a:ea typeface="Consolas" charset="0"/>
+              <a:cs typeface="Consolas" charset="0"/>
+            </a:endParaRPr>
+          </a:p>
+        </p:txBody>
+      </p:sp>
+      <p:sp>
+        <p:nvSpPr>
+          <p:cNvPr id="43" name="Textfeld 42"/>
+          <p:cNvSpPr txBox="1"/>
+          <p:nvPr/>
+        </p:nvSpPr>
+        <p:spPr>
+          <a:xfrm>
+            <a:off x="16146641" y="9230879"/>
+            <a:ext cx="3538276" cy="1631216"/>
+          </a:xfrm>
+          <a:prstGeom prst="rect">
+            <a:avLst/>
+          </a:prstGeom>
+          <a:noFill/>
+        </p:spPr>
+        <p:txBody>
+          <a:bodyPr wrap="none" rtlCol="0">
+            <a:spAutoFit/>
+          </a:bodyPr>
+          <a:lstStyle/>
+          <a:p>
+            <a:r>
+              <a:rPr lang="de-DE" sz="4000" dirty="0" smtClean="0">
+                <a:ea typeface="Consolas" charset="0"/>
+                <a:cs typeface="Consolas" charset="0"/>
+              </a:rPr>
+              <a:t>manuell</a:t>
+            </a:r>
+            <a:br>
+              <a:rPr lang="de-DE" sz="4000" dirty="0" smtClean="0">
+                <a:ea typeface="Consolas" charset="0"/>
+                <a:cs typeface="Consolas" charset="0"/>
+              </a:rPr>
+            </a:br>
+            <a:r>
+              <a:rPr lang="de-DE" sz="3000" dirty="0" smtClean="0">
+                <a:ea typeface="Consolas" charset="0"/>
+                <a:cs typeface="Consolas" charset="0"/>
+              </a:rPr>
+              <a:t>mittels Controller</a:t>
+            </a:r>
+            <a:r>
+              <a:rPr lang="de-DE" sz="3000" dirty="0">
+                <a:ea typeface="Consolas" charset="0"/>
+                <a:cs typeface="Consolas" charset="0"/>
+              </a:rPr>
+              <a:t/>
+            </a:r>
+            <a:br>
+              <a:rPr lang="de-DE" sz="3000" dirty="0">
+                <a:ea typeface="Consolas" charset="0"/>
+                <a:cs typeface="Consolas" charset="0"/>
+              </a:rPr>
+            </a:br>
+            <a:r>
+              <a:rPr lang="de-DE" sz="3000" dirty="0" smtClean="0">
+                <a:ea typeface="Consolas" charset="0"/>
+                <a:cs typeface="Consolas" charset="0"/>
+              </a:rPr>
+              <a:t>Bewegungssteuerung</a:t>
+            </a:r>
+            <a:endParaRPr lang="de-DE" sz="6000" dirty="0">
+              <a:ea typeface="Consolas" charset="0"/>
+              <a:cs typeface="Consolas" charset="0"/>
+            </a:endParaRPr>
+          </a:p>
+        </p:txBody>
+      </p:sp>
+      <p:sp>
+        <p:nvSpPr>
+          <p:cNvPr id="44" name="Textfeld 43"/>
+          <p:cNvSpPr txBox="1"/>
+          <p:nvPr/>
+        </p:nvSpPr>
+        <p:spPr>
+          <a:xfrm>
+            <a:off x="16157271" y="16835091"/>
+            <a:ext cx="4806637" cy="1631216"/>
+          </a:xfrm>
+          <a:prstGeom prst="rect">
+            <a:avLst/>
+          </a:prstGeom>
+          <a:noFill/>
+        </p:spPr>
+        <p:txBody>
+          <a:bodyPr wrap="none" rtlCol="0">
+            <a:spAutoFit/>
+          </a:bodyPr>
+          <a:lstStyle/>
+          <a:p>
+            <a:r>
+              <a:rPr lang="de-DE" sz="4000" dirty="0" smtClean="0">
+                <a:ea typeface="Consolas" charset="0"/>
+                <a:cs typeface="Consolas" charset="0"/>
+              </a:rPr>
+              <a:t>automatisch</a:t>
+            </a:r>
+            <a:br>
+              <a:rPr lang="de-DE" sz="4000" dirty="0" smtClean="0">
+                <a:ea typeface="Consolas" charset="0"/>
+                <a:cs typeface="Consolas" charset="0"/>
+              </a:rPr>
+            </a:br>
+            <a:r>
+              <a:rPr lang="de-DE" sz="3000" dirty="0" smtClean="0">
+                <a:ea typeface="Consolas" charset="0"/>
+                <a:cs typeface="Consolas" charset="0"/>
+              </a:rPr>
+              <a:t>mittels Karten</a:t>
+            </a:r>
+            <a:r>
+              <a:rPr lang="de-DE" sz="3000" smtClean="0">
+                <a:ea typeface="Consolas" charset="0"/>
+                <a:cs typeface="Consolas" charset="0"/>
+              </a:rPr>
+              <a:t>, Basisstationen</a:t>
+            </a:r>
+            <a:br>
+              <a:rPr lang="de-DE" sz="3000" smtClean="0">
+                <a:ea typeface="Consolas" charset="0"/>
+                <a:cs typeface="Consolas" charset="0"/>
+              </a:rPr>
+            </a:br>
+            <a:r>
+              <a:rPr lang="de-DE" sz="3000" smtClean="0">
+                <a:ea typeface="Consolas" charset="0"/>
+                <a:cs typeface="Consolas" charset="0"/>
+              </a:rPr>
+              <a:t>und Aufgaben</a:t>
+            </a:r>
+            <a:endParaRPr lang="de-DE" sz="6000" dirty="0">
+              <a:ea typeface="Consolas" charset="0"/>
+              <a:cs typeface="Consolas" charset="0"/>
+            </a:endParaRPr>
+          </a:p>
+        </p:txBody>
+      </p:sp>
+      <p:cxnSp>
+        <p:nvCxnSpPr>
+          <p:cNvPr id="45" name="Gerade Verbindung 44"/>
+          <p:cNvCxnSpPr/>
+          <p:nvPr/>
+        </p:nvCxnSpPr>
+        <p:spPr>
+          <a:xfrm flipV="1">
+            <a:off x="10554715" y="5551110"/>
+            <a:ext cx="0" cy="1080000"/>
+          </a:xfrm>
+          <a:prstGeom prst="line">
+            <a:avLst/>
+          </a:prstGeom>
+          <a:ln w="101600">
+            <a:solidFill>
+              <a:schemeClr val="bg1">
+                <a:lumMod val="75000"/>
+              </a:schemeClr>
+            </a:solidFill>
+            <a:prstDash val="sysDash"/>
+          </a:ln>
+        </p:spPr>
+        <p:style>
+          <a:lnRef idx="1">
+            <a:schemeClr val="accent1"/>
+          </a:lnRef>
+          <a:fillRef idx="0">
+            <a:schemeClr val="accent1"/>
+          </a:fillRef>
+          <a:effectRef idx="0">
+            <a:schemeClr val="accent1"/>
+          </a:effectRef>
+          <a:fontRef idx="minor">
+            <a:schemeClr val="tx1"/>
+          </a:fontRef>
+        </p:style>
+      </p:cxnSp>
+      <p:cxnSp>
+        <p:nvCxnSpPr>
+          <p:cNvPr id="46" name="Gerade Verbindung 45"/>
+          <p:cNvCxnSpPr/>
+          <p:nvPr/>
+        </p:nvCxnSpPr>
+        <p:spPr>
+          <a:xfrm flipV="1">
+            <a:off x="10536995" y="20950593"/>
+            <a:ext cx="0" cy="1080000"/>
+          </a:xfrm>
+          <a:prstGeom prst="line">
+            <a:avLst/>
+          </a:prstGeom>
+          <a:ln w="101600">
+            <a:solidFill>
+              <a:schemeClr val="bg1">
+                <a:lumMod val="75000"/>
+              </a:schemeClr>
+            </a:solidFill>
+            <a:prstDash val="sysDash"/>
+          </a:ln>
+        </p:spPr>
+        <p:style>
+          <a:lnRef idx="1">
+            <a:schemeClr val="accent1"/>
+          </a:lnRef>
+          <a:fillRef idx="0">
+            <a:schemeClr val="accent1"/>
+          </a:fillRef>
+          <a:effectRef idx="0">
+            <a:schemeClr val="accent1"/>
+          </a:effectRef>
+          <a:fontRef idx="minor">
+            <a:schemeClr val="tx1"/>
+          </a:fontRef>
+        </p:style>
+      </p:cxnSp>
+      <p:sp>
+        <p:nvSpPr>
+          <p:cNvPr id="47" name="Textfeld 46"/>
+          <p:cNvSpPr txBox="1"/>
+          <p:nvPr/>
+        </p:nvSpPr>
+        <p:spPr>
+          <a:xfrm>
+            <a:off x="1018129" y="13099574"/>
+            <a:ext cx="5770106" cy="1938992"/>
+          </a:xfrm>
+          <a:prstGeom prst="rect">
+            <a:avLst/>
+          </a:prstGeom>
+          <a:noFill/>
+        </p:spPr>
+        <p:txBody>
+          <a:bodyPr wrap="none" rtlCol="0">
+            <a:spAutoFit/>
+          </a:bodyPr>
+          <a:lstStyle/>
+          <a:p>
+            <a:pPr algn="r"/>
+            <a:r>
+              <a:rPr lang="de-DE" sz="6000" dirty="0" smtClean="0">
+                <a:ea typeface="Consolas" charset="0"/>
+                <a:cs typeface="Consolas" charset="0"/>
+              </a:rPr>
+              <a:t>Raumkartografie</a:t>
+            </a:r>
+            <a:br>
+              <a:rPr lang="de-DE" sz="6000" dirty="0" smtClean="0">
+                <a:ea typeface="Consolas" charset="0"/>
+                <a:cs typeface="Consolas" charset="0"/>
+              </a:rPr>
+            </a:br>
+            <a:r>
+              <a:rPr lang="de-DE" sz="3000" dirty="0" smtClean="0">
+                <a:ea typeface="Consolas" charset="0"/>
+                <a:cs typeface="Consolas" charset="0"/>
+              </a:rPr>
+              <a:t>Visualisierung und Programmierung</a:t>
+            </a:r>
+            <a:br>
+              <a:rPr lang="de-DE" sz="3000" dirty="0" smtClean="0">
+                <a:ea typeface="Consolas" charset="0"/>
+                <a:cs typeface="Consolas" charset="0"/>
+              </a:rPr>
+            </a:br>
+            <a:r>
+              <a:rPr lang="de-DE" sz="3000" dirty="0" smtClean="0">
+                <a:ea typeface="Consolas" charset="0"/>
+                <a:cs typeface="Consolas" charset="0"/>
+              </a:rPr>
+              <a:t>der Points-of-Interest</a:t>
+            </a:r>
+            <a:endParaRPr lang="de-DE" sz="6000" dirty="0">
+              <a:ea typeface="Consolas" charset="0"/>
+              <a:cs typeface="Consolas" charset="0"/>
+            </a:endParaRPr>
+          </a:p>
+        </p:txBody>
+      </p:sp>
+      <p:sp>
+        <p:nvSpPr>
+          <p:cNvPr id="48" name="Textfeld 47"/>
+          <p:cNvSpPr txBox="1"/>
+          <p:nvPr/>
+        </p:nvSpPr>
+        <p:spPr>
+          <a:xfrm>
+            <a:off x="1349654" y="9213159"/>
+            <a:ext cx="3582776" cy="1631216"/>
+          </a:xfrm>
+          <a:prstGeom prst="rect">
+            <a:avLst/>
+          </a:prstGeom>
+          <a:noFill/>
+        </p:spPr>
+        <p:txBody>
+          <a:bodyPr wrap="none" rtlCol="0">
+            <a:spAutoFit/>
+          </a:bodyPr>
+          <a:lstStyle/>
+          <a:p>
+            <a:pPr algn="r"/>
+            <a:r>
+              <a:rPr lang="de-DE" sz="4000" dirty="0" smtClean="0">
+                <a:ea typeface="Consolas" charset="0"/>
+                <a:cs typeface="Consolas" charset="0"/>
+              </a:rPr>
+              <a:t>physisch</a:t>
+            </a:r>
+          </a:p>
+          <a:p>
+            <a:pPr algn="r"/>
+            <a:r>
+              <a:rPr lang="de-DE" sz="3000" dirty="0" smtClean="0">
+                <a:ea typeface="Consolas" charset="0"/>
+                <a:cs typeface="Consolas" charset="0"/>
+              </a:rPr>
+              <a:t>mittels Spurhaltelogik</a:t>
+            </a:r>
+            <a:br>
+              <a:rPr lang="de-DE" sz="3000" dirty="0" smtClean="0">
+                <a:ea typeface="Consolas" charset="0"/>
+                <a:cs typeface="Consolas" charset="0"/>
+              </a:rPr>
+            </a:br>
+            <a:r>
+              <a:rPr lang="de-DE" sz="3000" dirty="0" smtClean="0">
+                <a:ea typeface="Consolas" charset="0"/>
+                <a:cs typeface="Consolas" charset="0"/>
+              </a:rPr>
+              <a:t>Hinderniserkennung</a:t>
+            </a:r>
+            <a:endParaRPr lang="de-DE" sz="3000" dirty="0">
+              <a:ea typeface="Consolas" charset="0"/>
+              <a:cs typeface="Consolas" charset="0"/>
+            </a:endParaRPr>
+          </a:p>
+        </p:txBody>
+      </p:sp>
+      <p:sp>
+        <p:nvSpPr>
+          <p:cNvPr id="49" name="Textfeld 48"/>
+          <p:cNvSpPr txBox="1"/>
+          <p:nvPr/>
+        </p:nvSpPr>
+        <p:spPr>
+          <a:xfrm>
+            <a:off x="715573" y="16850694"/>
+            <a:ext cx="4274183" cy="1631216"/>
+          </a:xfrm>
+          <a:prstGeom prst="rect">
+            <a:avLst/>
+          </a:prstGeom>
+          <a:noFill/>
+        </p:spPr>
+        <p:txBody>
+          <a:bodyPr wrap="none" rtlCol="0">
+            <a:spAutoFit/>
+          </a:bodyPr>
+          <a:lstStyle/>
+          <a:p>
+            <a:pPr algn="r"/>
+            <a:r>
+              <a:rPr lang="de-DE" sz="4000" dirty="0">
+                <a:ea typeface="Consolas" charset="0"/>
+                <a:cs typeface="Consolas" charset="0"/>
+              </a:rPr>
+              <a:t>v</a:t>
+            </a:r>
+            <a:r>
+              <a:rPr lang="de-DE" sz="4000" dirty="0" smtClean="0">
+                <a:ea typeface="Consolas" charset="0"/>
+                <a:cs typeface="Consolas" charset="0"/>
+              </a:rPr>
+              <a:t>irtuell</a:t>
+            </a:r>
+            <a:br>
+              <a:rPr lang="de-DE" sz="4000" dirty="0" smtClean="0">
+                <a:ea typeface="Consolas" charset="0"/>
+                <a:cs typeface="Consolas" charset="0"/>
+              </a:rPr>
+            </a:br>
+            <a:r>
+              <a:rPr lang="de-DE" sz="3000" dirty="0" smtClean="0">
+                <a:ea typeface="Consolas" charset="0"/>
+                <a:cs typeface="Consolas" charset="0"/>
+              </a:rPr>
+              <a:t>mittels UWB Lokalisierung</a:t>
+            </a:r>
+            <a:br>
+              <a:rPr lang="de-DE" sz="3000" dirty="0" smtClean="0">
+                <a:ea typeface="Consolas" charset="0"/>
+                <a:cs typeface="Consolas" charset="0"/>
+              </a:rPr>
+            </a:br>
+            <a:r>
+              <a:rPr lang="de-DE" sz="3000" dirty="0" smtClean="0">
+                <a:ea typeface="Consolas" charset="0"/>
+                <a:cs typeface="Consolas" charset="0"/>
+              </a:rPr>
+              <a:t>digitaler Raumpläne</a:t>
+            </a:r>
+            <a:endParaRPr lang="de-DE" sz="6000" dirty="0">
+              <a:ea typeface="Consolas" charset="0"/>
+              <a:cs typeface="Consolas" charset="0"/>
+            </a:endParaRPr>
+          </a:p>
+        </p:txBody>
+      </p:sp>
+      <p:sp>
+        <p:nvSpPr>
+          <p:cNvPr id="50" name="Textfeld 49"/>
+          <p:cNvSpPr txBox="1"/>
+          <p:nvPr/>
+        </p:nvSpPr>
+        <p:spPr>
+          <a:xfrm>
+            <a:off x="8975310" y="4401617"/>
+            <a:ext cx="3158813" cy="1015663"/>
+          </a:xfrm>
+          <a:prstGeom prst="rect">
+            <a:avLst/>
+          </a:prstGeom>
+          <a:noFill/>
+        </p:spPr>
+        <p:txBody>
+          <a:bodyPr wrap="none" rtlCol="0">
+            <a:spAutoFit/>
+          </a:bodyPr>
+          <a:lstStyle/>
+          <a:p>
+            <a:pPr algn="ctr"/>
+            <a:r>
+              <a:rPr lang="de-DE" sz="6000" smtClean="0">
+                <a:ea typeface="Consolas" charset="0"/>
+                <a:cs typeface="Consolas" charset="0"/>
+              </a:rPr>
+              <a:t>Interaktiv</a:t>
+            </a:r>
+            <a:endParaRPr lang="de-DE" sz="6000" dirty="0">
+              <a:ea typeface="Consolas" charset="0"/>
+              <a:cs typeface="Consolas" charset="0"/>
+            </a:endParaRPr>
+          </a:p>
+        </p:txBody>
+      </p:sp>
+      <p:sp>
+        <p:nvSpPr>
+          <p:cNvPr id="51" name="Textfeld 50"/>
+          <p:cNvSpPr txBox="1"/>
+          <p:nvPr/>
+        </p:nvSpPr>
+        <p:spPr>
+          <a:xfrm>
+            <a:off x="4193134" y="6297026"/>
+            <a:ext cx="4002571" cy="1631216"/>
+          </a:xfrm>
+          <a:prstGeom prst="rect">
+            <a:avLst/>
+          </a:prstGeom>
+          <a:noFill/>
+        </p:spPr>
+        <p:txBody>
+          <a:bodyPr wrap="none" rtlCol="0">
+            <a:spAutoFit/>
+          </a:bodyPr>
+          <a:lstStyle/>
+          <a:p>
+            <a:pPr algn="r"/>
+            <a:r>
+              <a:rPr lang="de-DE" sz="4000" dirty="0" smtClean="0">
+                <a:ea typeface="Consolas" charset="0"/>
+                <a:cs typeface="Consolas" charset="0"/>
+              </a:rPr>
+              <a:t>visuell</a:t>
+            </a:r>
+            <a:br>
+              <a:rPr lang="de-DE" sz="4000" dirty="0" smtClean="0">
+                <a:ea typeface="Consolas" charset="0"/>
+                <a:cs typeface="Consolas" charset="0"/>
+              </a:rPr>
+            </a:br>
+            <a:r>
+              <a:rPr lang="de-DE" sz="3000" dirty="0" smtClean="0">
+                <a:ea typeface="Consolas" charset="0"/>
+                <a:cs typeface="Consolas" charset="0"/>
+              </a:rPr>
+              <a:t>über integriertes Display</a:t>
+            </a:r>
+            <a:br>
+              <a:rPr lang="de-DE" sz="3000" dirty="0" smtClean="0">
+                <a:ea typeface="Consolas" charset="0"/>
+                <a:cs typeface="Consolas" charset="0"/>
+              </a:rPr>
+            </a:br>
+            <a:r>
+              <a:rPr lang="de-DE" sz="3000" dirty="0" smtClean="0">
+                <a:ea typeface="Consolas" charset="0"/>
+                <a:cs typeface="Consolas" charset="0"/>
+              </a:rPr>
+              <a:t>alternativ direkt am PC</a:t>
+            </a:r>
+            <a:endParaRPr lang="de-DE" sz="6000" dirty="0">
+              <a:ea typeface="Consolas" charset="0"/>
+              <a:cs typeface="Consolas" charset="0"/>
+            </a:endParaRPr>
+          </a:p>
+        </p:txBody>
+      </p:sp>
+      <p:sp>
+        <p:nvSpPr>
+          <p:cNvPr id="52" name="Textfeld 51"/>
+          <p:cNvSpPr txBox="1"/>
+          <p:nvPr/>
+        </p:nvSpPr>
+        <p:spPr>
+          <a:xfrm>
+            <a:off x="12937211" y="6258041"/>
+            <a:ext cx="5099153" cy="1631216"/>
+          </a:xfrm>
+          <a:prstGeom prst="rect">
+            <a:avLst/>
+          </a:prstGeom>
+          <a:noFill/>
+        </p:spPr>
+        <p:txBody>
+          <a:bodyPr wrap="none" rtlCol="0">
+            <a:spAutoFit/>
+          </a:bodyPr>
+          <a:lstStyle/>
+          <a:p>
+            <a:r>
+              <a:rPr lang="de-DE" sz="4000" dirty="0" smtClean="0">
+                <a:ea typeface="Consolas" charset="0"/>
+                <a:cs typeface="Consolas" charset="0"/>
+              </a:rPr>
+              <a:t>akustisch</a:t>
+            </a:r>
+            <a:br>
+              <a:rPr lang="de-DE" sz="4000" dirty="0" smtClean="0">
+                <a:ea typeface="Consolas" charset="0"/>
+                <a:cs typeface="Consolas" charset="0"/>
+              </a:rPr>
+            </a:br>
+            <a:r>
+              <a:rPr lang="de-DE" sz="3000" dirty="0" smtClean="0">
+                <a:ea typeface="Consolas" charset="0"/>
+                <a:cs typeface="Consolas" charset="0"/>
+              </a:rPr>
+              <a:t>Tonfolgen je nach Betriebsmodi</a:t>
+            </a:r>
+            <a:br>
+              <a:rPr lang="de-DE" sz="3000" dirty="0" smtClean="0">
+                <a:ea typeface="Consolas" charset="0"/>
+                <a:cs typeface="Consolas" charset="0"/>
+              </a:rPr>
+            </a:br>
+            <a:r>
+              <a:rPr lang="de-DE" sz="3000" dirty="0" smtClean="0">
+                <a:ea typeface="Consolas" charset="0"/>
+                <a:cs typeface="Consolas" charset="0"/>
+              </a:rPr>
+              <a:t>Feedbacksystem</a:t>
+            </a:r>
+            <a:endParaRPr lang="de-DE" sz="6000" dirty="0">
+              <a:ea typeface="Consolas" charset="0"/>
+              <a:cs typeface="Consolas" charset="0"/>
+            </a:endParaRPr>
+          </a:p>
+        </p:txBody>
+      </p:sp>
+      <p:sp>
+        <p:nvSpPr>
+          <p:cNvPr id="53" name="Textfeld 52"/>
+          <p:cNvSpPr txBox="1"/>
+          <p:nvPr/>
+        </p:nvSpPr>
+        <p:spPr>
+          <a:xfrm>
+            <a:off x="1742256" y="22182789"/>
+            <a:ext cx="17632071" cy="1938992"/>
+          </a:xfrm>
+          <a:prstGeom prst="rect">
+            <a:avLst/>
+          </a:prstGeom>
+          <a:noFill/>
+        </p:spPr>
+        <p:txBody>
+          <a:bodyPr wrap="none" rtlCol="0">
+            <a:spAutoFit/>
+          </a:bodyPr>
+          <a:lstStyle/>
+          <a:p>
+            <a:pPr algn="ctr"/>
+            <a:r>
+              <a:rPr lang="de-DE" sz="6000" dirty="0" smtClean="0">
+                <a:ea typeface="Consolas" charset="0"/>
+                <a:cs typeface="Consolas" charset="0"/>
+              </a:rPr>
+              <a:t>Vielseitiger Prototyp</a:t>
+            </a:r>
+          </a:p>
+          <a:p>
+            <a:pPr algn="ctr"/>
+            <a:r>
+              <a:rPr lang="de-DE" sz="3000" dirty="0" smtClean="0">
+                <a:ea typeface="Consolas" charset="0"/>
+                <a:cs typeface="Consolas" charset="0"/>
+              </a:rPr>
+              <a:t>Ziel des Prototyps ist es, ein multifunktionales teilautonomes Fahrzeug für den Heimgebrauch zu schaffen.</a:t>
+            </a:r>
+            <a:br>
+              <a:rPr lang="de-DE" sz="3000" dirty="0" smtClean="0">
+                <a:ea typeface="Consolas" charset="0"/>
+                <a:cs typeface="Consolas" charset="0"/>
+              </a:rPr>
+            </a:br>
+            <a:r>
+              <a:rPr lang="de-DE" sz="3000" dirty="0" smtClean="0">
+                <a:ea typeface="Consolas" charset="0"/>
+                <a:cs typeface="Consolas" charset="0"/>
+              </a:rPr>
+              <a:t>Das Projekt „</a:t>
+            </a:r>
+            <a:r>
+              <a:rPr lang="de-DE" sz="3000" dirty="0" err="1" smtClean="0">
+                <a:ea typeface="Consolas" charset="0"/>
+                <a:cs typeface="Consolas" charset="0"/>
+              </a:rPr>
+              <a:t>StarCar</a:t>
+            </a:r>
+            <a:r>
+              <a:rPr lang="de-DE" sz="3000" dirty="0" smtClean="0">
+                <a:ea typeface="Consolas" charset="0"/>
+                <a:cs typeface="Consolas" charset="0"/>
+              </a:rPr>
+              <a:t>“ soll somit richtungsweisende Techniken vereinen und in heterogenen Szenarien einsetzen.</a:t>
+            </a:r>
+            <a:endParaRPr lang="de-DE" sz="3000" dirty="0">
+              <a:ea typeface="Consolas" charset="0"/>
+              <a:cs typeface="Consolas" charset="0"/>
+            </a:endParaRPr>
+          </a:p>
+        </p:txBody>
+      </p:sp>
+      <p:sp>
+        <p:nvSpPr>
+          <p:cNvPr id="54" name="Textfeld 53"/>
+          <p:cNvSpPr txBox="1"/>
+          <p:nvPr/>
+        </p:nvSpPr>
+        <p:spPr>
+          <a:xfrm>
+            <a:off x="2654168" y="19718418"/>
+            <a:ext cx="5553636" cy="1631216"/>
+          </a:xfrm>
+          <a:prstGeom prst="rect">
+            <a:avLst/>
+          </a:prstGeom>
+          <a:noFill/>
+        </p:spPr>
+        <p:txBody>
+          <a:bodyPr wrap="none" rtlCol="0">
+            <a:spAutoFit/>
+          </a:bodyPr>
+          <a:lstStyle/>
+          <a:p>
+            <a:pPr algn="r"/>
+            <a:r>
+              <a:rPr lang="de-DE" sz="4000" dirty="0" smtClean="0">
+                <a:ea typeface="Consolas" charset="0"/>
+                <a:cs typeface="Consolas" charset="0"/>
+              </a:rPr>
+              <a:t>als Spielzeug</a:t>
+            </a:r>
+            <a:br>
+              <a:rPr lang="de-DE" sz="4000" dirty="0" smtClean="0">
+                <a:ea typeface="Consolas" charset="0"/>
+                <a:cs typeface="Consolas" charset="0"/>
+              </a:rPr>
+            </a:br>
+            <a:r>
+              <a:rPr lang="de-DE" sz="3000" smtClean="0">
+                <a:ea typeface="Consolas" charset="0"/>
+                <a:cs typeface="Consolas" charset="0"/>
+              </a:rPr>
+              <a:t>zur Unterhaltung von Kleinkindern</a:t>
+            </a:r>
+            <a:r>
+              <a:rPr lang="de-DE" sz="3000" dirty="0" smtClean="0">
+                <a:ea typeface="Consolas" charset="0"/>
+                <a:cs typeface="Consolas" charset="0"/>
+              </a:rPr>
+              <a:t/>
+            </a:r>
+            <a:br>
+              <a:rPr lang="de-DE" sz="3000" dirty="0" smtClean="0">
+                <a:ea typeface="Consolas" charset="0"/>
+                <a:cs typeface="Consolas" charset="0"/>
+              </a:rPr>
+            </a:br>
+            <a:r>
+              <a:rPr lang="de-DE" sz="3000" smtClean="0">
+                <a:ea typeface="Consolas" charset="0"/>
+                <a:cs typeface="Consolas" charset="0"/>
+              </a:rPr>
+              <a:t>als Lernplattform für Studenten</a:t>
+            </a:r>
+            <a:endParaRPr lang="de-DE" sz="6000" dirty="0">
+              <a:ea typeface="Consolas" charset="0"/>
+              <a:cs typeface="Consolas" charset="0"/>
+            </a:endParaRPr>
+          </a:p>
+        </p:txBody>
+      </p:sp>
+      <p:sp>
+        <p:nvSpPr>
+          <p:cNvPr id="55" name="Textfeld 54"/>
+          <p:cNvSpPr txBox="1"/>
+          <p:nvPr/>
+        </p:nvSpPr>
+        <p:spPr>
+          <a:xfrm>
+            <a:off x="12946927" y="19721963"/>
+            <a:ext cx="5539786" cy="1631216"/>
+          </a:xfrm>
+          <a:prstGeom prst="rect">
+            <a:avLst/>
+          </a:prstGeom>
+          <a:noFill/>
+        </p:spPr>
+        <p:txBody>
+          <a:bodyPr wrap="none" rtlCol="0">
+            <a:spAutoFit/>
+          </a:bodyPr>
+          <a:lstStyle/>
+          <a:p>
+            <a:r>
+              <a:rPr lang="de-DE" sz="4000" dirty="0" smtClean="0">
+                <a:ea typeface="Consolas" charset="0"/>
+                <a:cs typeface="Consolas" charset="0"/>
+              </a:rPr>
+              <a:t>im Haushalt</a:t>
+            </a:r>
+            <a:br>
+              <a:rPr lang="de-DE" sz="4000" dirty="0" smtClean="0">
+                <a:ea typeface="Consolas" charset="0"/>
+                <a:cs typeface="Consolas" charset="0"/>
+              </a:rPr>
+            </a:br>
+            <a:r>
+              <a:rPr lang="de-DE" sz="3000" dirty="0" smtClean="0">
+                <a:ea typeface="Consolas" charset="0"/>
+                <a:cs typeface="Consolas" charset="0"/>
+              </a:rPr>
+              <a:t>als Reinigungs- / Haushaltsroboter</a:t>
+            </a:r>
+            <a:br>
+              <a:rPr lang="de-DE" sz="3000" dirty="0" smtClean="0">
+                <a:ea typeface="Consolas" charset="0"/>
+                <a:cs typeface="Consolas" charset="0"/>
+              </a:rPr>
+            </a:br>
+            <a:r>
+              <a:rPr lang="de-DE" sz="3000" dirty="0" smtClean="0">
+                <a:ea typeface="Consolas" charset="0"/>
+                <a:cs typeface="Consolas" charset="0"/>
+              </a:rPr>
+              <a:t>zur Gebäudesicherung</a:t>
+            </a:r>
+            <a:endParaRPr lang="de-DE" sz="6000" dirty="0">
+              <a:ea typeface="Consolas" charset="0"/>
+              <a:cs typeface="Consolas" charset="0"/>
+            </a:endParaRPr>
+          </a:p>
+        </p:txBody>
+      </p:sp>
+      <p:sp>
+        <p:nvSpPr>
+          <p:cNvPr id="56" name="Textfeld 55"/>
+          <p:cNvSpPr txBox="1"/>
+          <p:nvPr/>
+        </p:nvSpPr>
+        <p:spPr>
+          <a:xfrm>
+            <a:off x="4572073" y="28938499"/>
+            <a:ext cx="11979561" cy="1054135"/>
+          </a:xfrm>
+          <a:prstGeom prst="rect">
+            <a:avLst/>
+          </a:prstGeom>
+          <a:noFill/>
+        </p:spPr>
+        <p:txBody>
+          <a:bodyPr wrap="none" rtlCol="0">
+            <a:spAutoFit/>
+          </a:bodyPr>
+          <a:lstStyle/>
+          <a:p>
+            <a:pPr algn="ctr">
+              <a:lnSpc>
+                <a:spcPts val="2500"/>
+              </a:lnSpc>
+            </a:pPr>
+            <a:r>
+              <a:rPr lang="de-DE" sz="3600" dirty="0" smtClean="0">
+                <a:ea typeface="Consolas" charset="0"/>
+                <a:cs typeface="Consolas" charset="0"/>
+              </a:rPr>
+              <a:t>Team 02 </a:t>
+            </a:r>
+            <a:r>
+              <a:rPr lang="mr-IN" sz="3600" dirty="0" smtClean="0">
+                <a:ea typeface="Consolas" charset="0"/>
+                <a:cs typeface="Consolas" charset="0"/>
+              </a:rPr>
+              <a:t>–</a:t>
+            </a:r>
+            <a:r>
+              <a:rPr lang="de-DE" sz="3600" dirty="0" smtClean="0">
+                <a:ea typeface="Consolas" charset="0"/>
+                <a:cs typeface="Consolas" charset="0"/>
+              </a:rPr>
+              <a:t> </a:t>
+            </a:r>
+            <a:r>
+              <a:rPr lang="de-DE" sz="3600" dirty="0" err="1" smtClean="0">
+                <a:ea typeface="Consolas" charset="0"/>
+                <a:cs typeface="Consolas" charset="0"/>
+              </a:rPr>
+              <a:t>StarCar</a:t>
+            </a:r>
+            <a:r>
+              <a:rPr lang="de-DE" sz="3200" dirty="0" smtClean="0">
+                <a:ea typeface="Consolas" charset="0"/>
+                <a:cs typeface="Consolas" charset="0"/>
+              </a:rPr>
+              <a:t/>
+            </a:r>
+            <a:br>
+              <a:rPr lang="de-DE" sz="3200" dirty="0" smtClean="0">
+                <a:ea typeface="Consolas" charset="0"/>
+                <a:cs typeface="Consolas" charset="0"/>
+              </a:rPr>
+            </a:br>
+            <a:r>
+              <a:rPr lang="de-DE" sz="3200" dirty="0" smtClean="0">
+                <a:ea typeface="Consolas" charset="0"/>
+                <a:cs typeface="Consolas" charset="0"/>
+              </a:rPr>
+              <a:t>Anja Strobel · </a:t>
+            </a:r>
+            <a:r>
+              <a:rPr lang="de-DE" sz="3200" dirty="0" err="1" smtClean="0">
+                <a:ea typeface="Consolas" charset="0"/>
+                <a:cs typeface="Consolas" charset="0"/>
+              </a:rPr>
+              <a:t>Annkathrin</a:t>
+            </a:r>
+            <a:r>
+              <a:rPr lang="de-DE" sz="3200" dirty="0" smtClean="0">
+                <a:ea typeface="Consolas" charset="0"/>
+                <a:cs typeface="Consolas" charset="0"/>
+              </a:rPr>
+              <a:t> Bauer · Dominik Scharnagl · Florian </a:t>
+            </a:r>
+            <a:r>
+              <a:rPr lang="de-DE" sz="3200" dirty="0" err="1" smtClean="0">
+                <a:ea typeface="Consolas" charset="0"/>
+                <a:cs typeface="Consolas" charset="0"/>
+              </a:rPr>
+              <a:t>Boemmel</a:t>
+            </a:r>
+            <a:r>
+              <a:rPr lang="de-DE" sz="3200" dirty="0" smtClean="0">
+                <a:ea typeface="Consolas" charset="0"/>
+                <a:cs typeface="Consolas" charset="0"/>
+              </a:rPr>
+              <a:t/>
+            </a:r>
+            <a:br>
+              <a:rPr lang="de-DE" sz="3200" dirty="0" smtClean="0">
+                <a:ea typeface="Consolas" charset="0"/>
+                <a:cs typeface="Consolas" charset="0"/>
+              </a:rPr>
+            </a:br>
+            <a:r>
+              <a:rPr lang="de-DE" sz="3200" dirty="0" smtClean="0">
+                <a:ea typeface="Consolas" charset="0"/>
+                <a:cs typeface="Consolas" charset="0"/>
+              </a:rPr>
+              <a:t>Mehmet </a:t>
+            </a:r>
+            <a:r>
+              <a:rPr lang="de-DE" sz="3200" dirty="0" err="1" smtClean="0">
+                <a:ea typeface="Consolas" charset="0"/>
+                <a:cs typeface="Consolas" charset="0"/>
+              </a:rPr>
+              <a:t>Billor</a:t>
+            </a:r>
+            <a:r>
+              <a:rPr lang="de-DE" sz="3200" dirty="0" smtClean="0">
+                <a:ea typeface="Consolas" charset="0"/>
+                <a:cs typeface="Consolas" charset="0"/>
+              </a:rPr>
+              <a:t> · Robert Graf · Simone Huber</a:t>
+            </a:r>
+            <a:r>
+              <a:rPr lang="de-DE" sz="4000" dirty="0" smtClean="0">
+                <a:ea typeface="Consolas" charset="0"/>
+                <a:cs typeface="Consolas" charset="0"/>
+              </a:rPr>
+              <a:t> </a:t>
+            </a:r>
+            <a:endParaRPr lang="de-DE" sz="1400" dirty="0">
+              <a:ea typeface="Consolas" charset="0"/>
+              <a:cs typeface="Consolas" charset="0"/>
+            </a:endParaRPr>
+          </a:p>
+        </p:txBody>
+      </p:sp>
+      <p:cxnSp>
+        <p:nvCxnSpPr>
+          <p:cNvPr id="58" name="Gerade Verbindung 57"/>
+          <p:cNvCxnSpPr/>
+          <p:nvPr/>
+        </p:nvCxnSpPr>
+        <p:spPr>
+          <a:xfrm>
+            <a:off x="659217" y="28576994"/>
+            <a:ext cx="19800000" cy="0"/>
+          </a:xfrm>
+          <a:prstGeom prst="line">
+            <a:avLst/>
+          </a:prstGeom>
+          <a:ln>
+            <a:solidFill>
+              <a:schemeClr val="bg1">
+                <a:lumMod val="65000"/>
+              </a:schemeClr>
+            </a:solidFill>
+          </a:ln>
+        </p:spPr>
+        <p:style>
+          <a:lnRef idx="1">
+            <a:schemeClr val="accent1"/>
+          </a:lnRef>
+          <a:fillRef idx="0">
+            <a:schemeClr val="accent1"/>
+          </a:fillRef>
+          <a:effectRef idx="0">
+            <a:schemeClr val="accent1"/>
+          </a:effectRef>
+          <a:fontRef idx="minor">
+            <a:schemeClr val="tx1"/>
+          </a:fontRef>
+        </p:style>
+      </p:cxnSp>
+      <p:pic>
+        <p:nvPicPr>
+          <p:cNvPr id="61" name="Bild 60"/>
+          <p:cNvPicPr>
+            <a:picLocks noChangeAspect="1"/>
+          </p:cNvPicPr>
+          <p:nvPr/>
+        </p:nvPicPr>
+        <p:blipFill>
+          <a:blip r:embed="rId4">
+            <a:extLst>
+              <a:ext uri="{28A0092B-C50C-407E-A947-70E740481C1C}">
+                <a14:useLocalDpi xmlns:a14="http://schemas.microsoft.com/office/drawing/2010/main" val="0"/>
+              </a:ext>
+            </a:extLst>
+          </a:blip>
+          <a:stretch>
+            <a:fillRect/>
+          </a:stretch>
+        </p:blipFill>
+        <p:spPr>
+          <a:xfrm>
+            <a:off x="16546284" y="4328811"/>
+            <a:ext cx="4082669" cy="958123"/>
+          </a:xfrm>
+          <a:prstGeom prst="rect">
+            <a:avLst/>
+          </a:prstGeom>
+        </p:spPr>
+      </p:pic>
+      <p:pic>
+        <p:nvPicPr>
+          <p:cNvPr id="62" name="Bild 61"/>
+          <p:cNvPicPr>
+            <a:picLocks noChangeAspect="1"/>
+          </p:cNvPicPr>
+          <p:nvPr/>
+        </p:nvPicPr>
+        <p:blipFill>
+          <a:blip r:embed="rId5">
+            <a:extLst>
+              <a:ext uri="{28A0092B-C50C-407E-A947-70E740481C1C}">
+                <a14:useLocalDpi xmlns:a14="http://schemas.microsoft.com/office/drawing/2010/main" val="0"/>
+              </a:ext>
+            </a:extLst>
+          </a:blip>
+          <a:stretch>
+            <a:fillRect/>
+          </a:stretch>
+        </p:blipFill>
+        <p:spPr>
+          <a:xfrm>
+            <a:off x="16297521" y="2546262"/>
+            <a:ext cx="3781025" cy="1262747"/>
+          </a:xfrm>
+          <a:prstGeom prst="rect">
+            <a:avLst/>
+          </a:prstGeom>
+        </p:spPr>
+      </p:pic>
+      <p:pic>
+        <p:nvPicPr>
+          <p:cNvPr id="63" name="Bild 62"/>
+          <p:cNvPicPr>
+            <a:picLocks noChangeAspect="1"/>
+          </p:cNvPicPr>
+          <p:nvPr/>
+        </p:nvPicPr>
+        <p:blipFill>
+          <a:blip r:embed="rId6">
+            <a:extLst>
+              <a:ext uri="{28A0092B-C50C-407E-A947-70E740481C1C}">
+                <a14:useLocalDpi xmlns:a14="http://schemas.microsoft.com/office/drawing/2010/main" val="0"/>
+              </a:ext>
+            </a:extLst>
+          </a:blip>
+          <a:stretch>
+            <a:fillRect/>
+          </a:stretch>
+        </p:blipFill>
+        <p:spPr>
+          <a:xfrm>
+            <a:off x="16415655" y="817827"/>
+            <a:ext cx="2982804" cy="1263306"/>
+          </a:xfrm>
+          <a:prstGeom prst="rect">
+            <a:avLst/>
+          </a:prstGeom>
+        </p:spPr>
+      </p:pic>
+      <p:cxnSp>
+        <p:nvCxnSpPr>
+          <p:cNvPr id="65" name="Gerade Verbindung 64"/>
+          <p:cNvCxnSpPr/>
+          <p:nvPr/>
+        </p:nvCxnSpPr>
+        <p:spPr>
+          <a:xfrm>
+            <a:off x="15630258" y="2292529"/>
+            <a:ext cx="5753367" cy="0"/>
+          </a:xfrm>
+          <a:prstGeom prst="line">
+            <a:avLst/>
+          </a:prstGeom>
+          <a:ln>
+            <a:solidFill>
+              <a:schemeClr val="bg1">
+                <a:lumMod val="65000"/>
+              </a:schemeClr>
+            </a:solidFill>
+          </a:ln>
+        </p:spPr>
+        <p:style>
+          <a:lnRef idx="1">
+            <a:schemeClr val="accent1"/>
+          </a:lnRef>
+          <a:fillRef idx="0">
+            <a:schemeClr val="accent1"/>
+          </a:fillRef>
+          <a:effectRef idx="0">
+            <a:schemeClr val="accent1"/>
+          </a:effectRef>
+          <a:fontRef idx="minor">
+            <a:schemeClr val="tx1"/>
+          </a:fontRef>
+        </p:style>
+      </p:cxnSp>
+      <p:cxnSp>
+        <p:nvCxnSpPr>
+          <p:cNvPr id="67" name="Gerade Verbindung 66"/>
+          <p:cNvCxnSpPr/>
+          <p:nvPr/>
+        </p:nvCxnSpPr>
+        <p:spPr>
+          <a:xfrm>
+            <a:off x="15615398" y="3952600"/>
+            <a:ext cx="5753367" cy="0"/>
+          </a:xfrm>
+          <a:prstGeom prst="line">
+            <a:avLst/>
+          </a:prstGeom>
+          <a:ln>
+            <a:solidFill>
+              <a:schemeClr val="bg1">
+                <a:lumMod val="65000"/>
+              </a:schemeClr>
+            </a:solidFill>
+          </a:ln>
+        </p:spPr>
+        <p:style>
+          <a:lnRef idx="1">
+            <a:schemeClr val="accent1"/>
+          </a:lnRef>
+          <a:fillRef idx="0">
+            <a:schemeClr val="accent1"/>
+          </a:fillRef>
+          <a:effectRef idx="0">
+            <a:schemeClr val="accent1"/>
+          </a:effectRef>
+          <a:fontRef idx="minor">
+            <a:schemeClr val="tx1"/>
+          </a:fontRef>
+        </p:style>
+      </p:cxnSp>
+      <p:cxnSp>
+        <p:nvCxnSpPr>
+          <p:cNvPr id="68" name="Gerade Verbindung 67"/>
+          <p:cNvCxnSpPr/>
+          <p:nvPr/>
+        </p:nvCxnSpPr>
+        <p:spPr>
+          <a:xfrm>
+            <a:off x="15615398" y="630645"/>
+            <a:ext cx="5753367" cy="0"/>
+          </a:xfrm>
+          <a:prstGeom prst="line">
+            <a:avLst/>
+          </a:prstGeom>
+          <a:ln>
+            <a:solidFill>
+              <a:schemeClr val="bg1">
+                <a:lumMod val="65000"/>
+              </a:schemeClr>
+            </a:solidFill>
+          </a:ln>
+        </p:spPr>
+        <p:style>
+          <a:lnRef idx="1">
+            <a:schemeClr val="accent1"/>
+          </a:lnRef>
+          <a:fillRef idx="0">
+            <a:schemeClr val="accent1"/>
+          </a:fillRef>
+          <a:effectRef idx="0">
+            <a:schemeClr val="accent1"/>
+          </a:effectRef>
+          <a:fontRef idx="minor">
+            <a:schemeClr val="tx1"/>
+          </a:fontRef>
+        </p:style>
+      </p:cxnSp>
+      <p:cxnSp>
+        <p:nvCxnSpPr>
+          <p:cNvPr id="69" name="Gerade Verbindung 68"/>
+          <p:cNvCxnSpPr/>
+          <p:nvPr/>
+        </p:nvCxnSpPr>
+        <p:spPr>
+          <a:xfrm>
+            <a:off x="15628098" y="5606694"/>
+            <a:ext cx="5753367" cy="0"/>
+          </a:xfrm>
+          <a:prstGeom prst="line">
+            <a:avLst/>
+          </a:prstGeom>
+          <a:ln>
+            <a:solidFill>
+              <a:schemeClr val="bg1">
+                <a:lumMod val="65000"/>
+              </a:schemeClr>
+            </a:solidFill>
+          </a:ln>
+        </p:spPr>
+        <p:style>
+          <a:lnRef idx="1">
+            <a:schemeClr val="accent1"/>
+          </a:lnRef>
+          <a:fillRef idx="0">
+            <a:schemeClr val="accent1"/>
+          </a:fillRef>
+          <a:effectRef idx="0">
+            <a:schemeClr val="accent1"/>
+          </a:effectRef>
+          <a:fontRef idx="minor">
+            <a:schemeClr val="tx1"/>
+          </a:fontRef>
+        </p:style>
+      </p:cxnSp>
     </p:spTree>
     <p:extLst>
       <p:ext uri="{BB962C8B-B14F-4D97-AF65-F5344CB8AC3E}">
